--- a/Courses/Applied-Programmer/Programming-Fundamentals/05-Символни-низове/23. Символни-низове-други-операции.pptx
+++ b/Courses/Applied-Programmer/Programming-Fundamentals/05-Символни-низове/23. Символни-низове-други-операции.pptx
@@ -335,7 +335,7 @@
             <a:fld id="{FE5B4EDC-59C0-49C7-8ADA-5A781B329E02}" type="datetimeFigureOut">
               <a:rPr lang="en-US"/>
               <a:pPr/>
-              <a:t>16-Dec-19</a:t>
+              <a:t>13-Nov-20</a:t>
             </a:fld>
             <a:endParaRPr dirty="0"/>
           </a:p>
@@ -633,7 +633,7 @@
             <a:fld id="{F2D8D46A-B586-417D-BFBD-8C8FE0AAF762}" type="datetimeFigureOut">
               <a:rPr lang="en-US" smtClean="0"/>
               <a:pPr/>
-              <a:t>16-Dec-19</a:t>
+              <a:t>13-Nov-20</a:t>
             </a:fld>
             <a:endParaRPr lang="en-US" dirty="0"/>
           </a:p>
@@ -7006,43 +7006,6 @@
       </p:sp>
       <p:sp>
         <p:nvSpPr>
-          <p:cNvPr id="16" name="TextBox 15"/>
-          <p:cNvSpPr txBox="1"/>
-          <p:nvPr/>
-        </p:nvSpPr>
-        <p:spPr>
-          <a:xfrm>
-            <a:off x="760412" y="6208619"/>
-            <a:ext cx="10591800" cy="461665"/>
-          </a:xfrm>
-          <a:prstGeom prst="rect">
-            <a:avLst/>
-          </a:prstGeom>
-          <a:noFill/>
-        </p:spPr>
-        <p:txBody>
-          <a:bodyPr wrap="square" rtlCol="0">
-            <a:spAutoFit/>
-          </a:bodyPr>
-          <a:lstStyle/>
-          <a:p>
-            <a:pPr algn="ctr"/>
-            <a:r>
-              <a:rPr lang="en-US" dirty="0"/>
-              <a:t>Check your solution here: </a:t>
-            </a:r>
-            <a:r>
-              <a:rPr lang="en-US" dirty="0">
-                <a:hlinkClick r:id="rId2"/>
-              </a:rPr>
-              <a:t>https://judge.softuni.bg/Contests/Practice/Index/320#2</a:t>
-            </a:r>
-            <a:endParaRPr lang="en-US" dirty="0"/>
-          </a:p>
-        </p:txBody>
-      </p:sp>
-      <p:sp>
-        <p:nvSpPr>
           <p:cNvPr id="18" name="Rectangle 17"/>
           <p:cNvSpPr>
             <a:spLocks noChangeArrowheads="1"/>
@@ -7286,6 +7249,59 @@
                 </a:prstClr>
               </a:solidFill>
             </a:endParaRPr>
+          </a:p>
+        </p:txBody>
+      </p:sp>
+      <p:sp>
+        <p:nvSpPr>
+          <p:cNvPr id="2" name="Rectangle 1"/>
+          <p:cNvSpPr/>
+          <p:nvPr/>
+        </p:nvSpPr>
+        <p:spPr>
+          <a:xfrm>
+            <a:off x="1217612" y="6236912"/>
+            <a:ext cx="9752029" cy="461665"/>
+          </a:xfrm>
+          <a:prstGeom prst="rect">
+            <a:avLst/>
+          </a:prstGeom>
+        </p:spPr>
+        <p:txBody>
+          <a:bodyPr wrap="none">
+            <a:spAutoFit/>
+          </a:bodyPr>
+          <a:lstStyle/>
+          <a:p>
+            <a:r>
+              <a:rPr lang="bg-BG" dirty="0" smtClean="0"/>
+              <a:t>Тествайте</a:t>
+            </a:r>
+            <a:r>
+              <a:rPr lang="en-US" dirty="0" smtClean="0"/>
+              <a:t> </a:t>
+            </a:r>
+            <a:r>
+              <a:rPr lang="en-US" dirty="0"/>
+              <a:t>в Judge</a:t>
+            </a:r>
+            <a:r>
+              <a:rPr lang="en-US" dirty="0" smtClean="0"/>
+              <a:t>: </a:t>
+            </a:r>
+            <a:r>
+              <a:rPr lang="en-US" dirty="0" smtClean="0">
+                <a:hlinkClick r:id="rId2"/>
+              </a:rPr>
+              <a:t>https</a:t>
+            </a:r>
+            <a:r>
+              <a:rPr lang="en-US" dirty="0">
+                <a:hlinkClick r:id="rId2"/>
+              </a:rPr>
+              <a:t>://judge.softuni.bg/Contests/Practice/Index/2665#3 </a:t>
+            </a:r>
+            <a:endParaRPr lang="en-US" dirty="0"/>
           </a:p>
         </p:txBody>
       </p:sp>
@@ -8236,6 +8252,59 @@
                 </a:prstClr>
               </a:solidFill>
             </a:endParaRPr>
+          </a:p>
+        </p:txBody>
+      </p:sp>
+      <p:sp>
+        <p:nvSpPr>
+          <p:cNvPr id="9" name="Rectangle 8"/>
+          <p:cNvSpPr/>
+          <p:nvPr/>
+        </p:nvSpPr>
+        <p:spPr>
+          <a:xfrm>
+            <a:off x="1598612" y="6477000"/>
+            <a:ext cx="8233408" cy="400110"/>
+          </a:xfrm>
+          <a:prstGeom prst="rect">
+            <a:avLst/>
+          </a:prstGeom>
+        </p:spPr>
+        <p:txBody>
+          <a:bodyPr wrap="none">
+            <a:spAutoFit/>
+          </a:bodyPr>
+          <a:lstStyle/>
+          <a:p>
+            <a:r>
+              <a:rPr lang="bg-BG" sz="2000" dirty="0" smtClean="0"/>
+              <a:t>Тествайте</a:t>
+            </a:r>
+            <a:r>
+              <a:rPr lang="en-US" sz="2000" dirty="0" smtClean="0"/>
+              <a:t> </a:t>
+            </a:r>
+            <a:r>
+              <a:rPr lang="en-US" sz="2000" dirty="0"/>
+              <a:t>в Judge</a:t>
+            </a:r>
+            <a:r>
+              <a:rPr lang="en-US" sz="2000" dirty="0" smtClean="0"/>
+              <a:t>: </a:t>
+            </a:r>
+            <a:r>
+              <a:rPr lang="en-US" sz="2000" dirty="0" smtClean="0">
+                <a:hlinkClick r:id="rId2"/>
+              </a:rPr>
+              <a:t>https</a:t>
+            </a:r>
+            <a:r>
+              <a:rPr lang="en-US" sz="2000" dirty="0">
+                <a:hlinkClick r:id="rId2"/>
+              </a:rPr>
+              <a:t>://judge.softuni.bg/Contests/Practice/Index/2665#3 </a:t>
+            </a:r>
+            <a:endParaRPr lang="en-US" sz="2000" dirty="0"/>
           </a:p>
         </p:txBody>
       </p:sp>
